--- a/PrésentationDocumentation.pptx
+++ b/PrésentationDocumentation.pptx
@@ -18487,8 +18487,13 @@
           <a:p>
             <a:r>
               <a:rPr lang="fr-FR" sz="2300" dirty="0"/>
-              <a:t>Définir le nombre d’URL</a:t>
+              <a:t>Définir </a:t>
             </a:r>
+            <a:r>
+              <a:rPr lang="fr-FR" sz="2300"/>
+              <a:t>les URLS</a:t>
+            </a:r>
+            <a:endParaRPr lang="fr-FR" sz="2300" dirty="0"/>
           </a:p>
           <a:p>
             <a:r>
